--- a/Slides/Module 08 Patterns of React.pptx
+++ b/Slides/Module 08 Patterns of React.pptx
@@ -333,6 +333,11 @@
       </a:defRPr>
     </a:lvl9pPr>
   </p:defaultTextStyle>
+  <p:extLst>
+    <p:ext uri="{EFAFB233-063F-42B5-8137-9DF3F51BA10A}">
+      <p15:sldGuideLst xmlns:p15="http://schemas.microsoft.com/office/powerpoint/2012/main"/>
+    </p:ext>
+  </p:extLst>
 </p:presentation>
 </file>
 
@@ -4794,11 +4799,32 @@
           <a:lstStyle/>
           <a:p>
             <a:r>
+              <a:rPr dirty="0"/>
               <a:t>CS 4530: Fundamentals of Software Engineering</a:t>
             </a:r>
-            <a:br/>
-            <a:r>
-              <a:t>Lesson 8 Patterns of React</a:t>
+            <a:br>
+              <a:rPr dirty="0"/>
+            </a:br>
+            <a:br>
+              <a:rPr lang="en-US" dirty="0"/>
+            </a:br>
+            <a:r>
+              <a:rPr lang="en-US"/>
+              <a:t>Module</a:t>
+            </a:r>
+            <a:r>
+              <a:t> 8</a:t>
+            </a:r>
+            <a:r>
+              <a:rPr lang="en-US"/>
+              <a:t>:</a:t>
+            </a:r>
+            <a:r>
+              <a:t> </a:t>
+            </a:r>
+            <a:r>
+              <a:rPr dirty="0"/>
+              <a:t>Patterns of React</a:t>
             </a:r>
           </a:p>
         </p:txBody>
@@ -4815,7 +4841,7 @@
         </p:nvSpPr>
         <p:spPr>
           <a:xfrm>
-            <a:off x="539260" y="2593592"/>
+            <a:off x="539259" y="3429000"/>
             <a:ext cx="10128740" cy="1655762"/>
           </a:xfrm>
           <a:prstGeom prst="rect">
@@ -4827,11 +4853,13 @@
           <a:lstStyle/>
           <a:p>
             <a:r>
+              <a:rPr dirty="0"/>
               <a:t>Jonathan Bell, Adeel Bhutta, Mitch Wand</a:t>
             </a:r>
           </a:p>
           <a:p>
             <a:r>
+              <a:rPr dirty="0"/>
               <a:t>Khoury College of Computer Sciences</a:t>
             </a:r>
           </a:p>
@@ -4866,6 +4894,7 @@
           <a:lstStyle/>
           <a:p>
             <a:fld id="{86CB4B4D-7CA3-9044-876B-883B54F8677D}" type="slidenum">
+              <a:rPr/>
               <a:t>1</a:t>
             </a:fld>
             <a:endParaRPr/>

--- a/Slides/Module 08 Patterns of React.pptx
+++ b/Slides/Module 08 Patterns of React.pptx
@@ -333,6 +333,11 @@
       </a:defRPr>
     </a:lvl9pPr>
   </p:defaultTextStyle>
+  <p:extLst>
+    <p:ext uri="{EFAFB233-063F-42B5-8137-9DF3F51BA10A}">
+      <p15:sldGuideLst xmlns:p15="http://schemas.microsoft.com/office/powerpoint/2012/main"/>
+    </p:ext>
+  </p:extLst>
 </p:presentation>
 </file>
 
@@ -3872,7 +3877,7 @@
           </a:ln>
           <a:extLst>
             <a:ext uri="{C572A759-6A51-4108-AA02-DFA0A04FC94B}">
-              <ma14:wrappingTextBoxFlag xmlns:ma14="http://schemas.microsoft.com/office/mac/drawingml/2011/main" xmlns:a14="http://schemas.microsoft.com/office/drawing/2010/main" xmlns:m="http://schemas.openxmlformats.org/officeDocument/2006/math" xmlns="" val="1"/>
+              <ma14:wrappingTextBoxFlag xmlns="" xmlns:m="http://schemas.openxmlformats.org/officeDocument/2006/math" xmlns:a14="http://schemas.microsoft.com/office/drawing/2010/main" xmlns:ma14="http://schemas.microsoft.com/office/mac/drawingml/2011/main" val="1"/>
             </a:ext>
           </a:extLst>
         </p:spPr>
@@ -3983,7 +3988,7 @@
           </a:ln>
           <a:extLst>
             <a:ext uri="{C572A759-6A51-4108-AA02-DFA0A04FC94B}">
-              <ma14:wrappingTextBoxFlag xmlns:ma14="http://schemas.microsoft.com/office/mac/drawingml/2011/main" xmlns:a14="http://schemas.microsoft.com/office/drawing/2010/main" xmlns:m="http://schemas.openxmlformats.org/officeDocument/2006/math" xmlns="" val="1"/>
+              <ma14:wrappingTextBoxFlag xmlns="" xmlns:m="http://schemas.openxmlformats.org/officeDocument/2006/math" xmlns:a14="http://schemas.microsoft.com/office/drawing/2010/main" xmlns:ma14="http://schemas.microsoft.com/office/mac/drawingml/2011/main" val="1"/>
             </a:ext>
           </a:extLst>
         </p:spPr>
@@ -4794,11 +4799,30 @@
           <a:lstStyle/>
           <a:p>
             <a:r>
+              <a:rPr dirty="0"/>
               <a:t>CS 4530: Fundamentals of Software Engineering</a:t>
             </a:r>
-            <a:br/>
-            <a:r>
-              <a:t>Lesson 8 Patterns of React</a:t>
+            <a:br>
+              <a:rPr dirty="0"/>
+            </a:br>
+            <a:br>
+              <a:rPr lang="en-US" dirty="0"/>
+            </a:br>
+            <a:r>
+              <a:rPr lang="en-US" dirty="0"/>
+              <a:t>Module</a:t>
+            </a:r>
+            <a:r>
+              <a:rPr dirty="0"/>
+              <a:t> 8</a:t>
+            </a:r>
+            <a:r>
+              <a:rPr lang="en-US" dirty="0"/>
+              <a:t>:</a:t>
+            </a:r>
+            <a:r>
+              <a:rPr dirty="0"/>
+              <a:t> Patterns of React</a:t>
             </a:r>
           </a:p>
         </p:txBody>
@@ -4827,6 +4851,7 @@
           <a:lstStyle/>
           <a:p>
             <a:r>
+              <a:rPr dirty="0"/>
               <a:t>Jonathan Bell, Adeel Bhutta, Mitch Wand</a:t>
             </a:r>
           </a:p>
@@ -4857,7 +4882,7 @@
           </a:prstGeom>
           <a:extLst>
             <a:ext uri="{C572A759-6A51-4108-AA02-DFA0A04FC94B}">
-              <ma14:wrappingTextBoxFlag xmlns:ma14="http://schemas.microsoft.com/office/mac/drawingml/2011/main" xmlns:a14="http://schemas.microsoft.com/office/drawing/2010/main" xmlns:m="http://schemas.openxmlformats.org/officeDocument/2006/math" xmlns="" val="1"/>
+              <ma14:wrappingTextBoxFlag xmlns="" xmlns:m="http://schemas.openxmlformats.org/officeDocument/2006/math" xmlns:a14="http://schemas.microsoft.com/office/drawing/2010/main" xmlns:ma14="http://schemas.microsoft.com/office/mac/drawingml/2011/main" val="1"/>
             </a:ext>
           </a:extLst>
         </p:spPr>
@@ -4866,6 +4891,7 @@
           <a:lstStyle/>
           <a:p>
             <a:fld id="{86CB4B4D-7CA3-9044-876B-883B54F8677D}" type="slidenum">
+              <a:rPr/>
               <a:t>1</a:t>
             </a:fld>
             <a:endParaRPr/>
@@ -4891,7 +4917,7 @@
           </a:ln>
           <a:extLst>
             <a:ext uri="{C572A759-6A51-4108-AA02-DFA0A04FC94B}">
-              <ma14:wrappingTextBoxFlag xmlns:ma14="http://schemas.microsoft.com/office/mac/drawingml/2011/main" xmlns:a14="http://schemas.microsoft.com/office/drawing/2010/main" xmlns:m="http://schemas.openxmlformats.org/officeDocument/2006/math" xmlns="" val="1"/>
+              <ma14:wrappingTextBoxFlag xmlns="" xmlns:m="http://schemas.openxmlformats.org/officeDocument/2006/math" xmlns:a14="http://schemas.microsoft.com/office/drawing/2010/main" xmlns:ma14="http://schemas.microsoft.com/office/mac/drawingml/2011/main" val="1"/>
             </a:ext>
           </a:extLst>
         </p:spPr>
@@ -5052,7 +5078,7 @@
           </a:prstGeom>
           <a:extLst>
             <a:ext uri="{C572A759-6A51-4108-AA02-DFA0A04FC94B}">
-              <ma14:wrappingTextBoxFlag xmlns:ma14="http://schemas.microsoft.com/office/mac/drawingml/2011/main" xmlns:a14="http://schemas.microsoft.com/office/drawing/2010/main" xmlns:m="http://schemas.openxmlformats.org/officeDocument/2006/math" xmlns="" val="1"/>
+              <ma14:wrappingTextBoxFlag xmlns="" xmlns:m="http://schemas.openxmlformats.org/officeDocument/2006/math" xmlns:a14="http://schemas.microsoft.com/office/drawing/2010/main" xmlns:ma14="http://schemas.microsoft.com/office/mac/drawingml/2011/main" val="1"/>
             </a:ext>
           </a:extLst>
         </p:spPr>
@@ -5086,7 +5112,7 @@
           </a:ln>
           <a:extLst>
             <a:ext uri="{C572A759-6A51-4108-AA02-DFA0A04FC94B}">
-              <ma14:wrappingTextBoxFlag xmlns:ma14="http://schemas.microsoft.com/office/mac/drawingml/2011/main" xmlns:a14="http://schemas.microsoft.com/office/drawing/2010/main" xmlns:m="http://schemas.openxmlformats.org/officeDocument/2006/math" xmlns="" val="1"/>
+              <ma14:wrappingTextBoxFlag xmlns="" xmlns:m="http://schemas.openxmlformats.org/officeDocument/2006/math" xmlns:a14="http://schemas.microsoft.com/office/drawing/2010/main" xmlns:ma14="http://schemas.microsoft.com/office/mac/drawingml/2011/main" val="1"/>
             </a:ext>
           </a:extLst>
         </p:spPr>
@@ -5362,7 +5388,7 @@
           </a:prstGeom>
           <a:extLst>
             <a:ext uri="{C572A759-6A51-4108-AA02-DFA0A04FC94B}">
-              <ma14:wrappingTextBoxFlag xmlns:ma14="http://schemas.microsoft.com/office/mac/drawingml/2011/main" xmlns:a14="http://schemas.microsoft.com/office/drawing/2010/main" xmlns:m="http://schemas.openxmlformats.org/officeDocument/2006/math" xmlns="" val="1"/>
+              <ma14:wrappingTextBoxFlag xmlns="" xmlns:m="http://schemas.openxmlformats.org/officeDocument/2006/math" xmlns:a14="http://schemas.microsoft.com/office/drawing/2010/main" xmlns:ma14="http://schemas.microsoft.com/office/mac/drawingml/2011/main" val="1"/>
             </a:ext>
           </a:extLst>
         </p:spPr>
@@ -5402,7 +5428,7 @@
           </a:ln>
           <a:extLst>
             <a:ext uri="{C572A759-6A51-4108-AA02-DFA0A04FC94B}">
-              <ma14:wrappingTextBoxFlag xmlns:ma14="http://schemas.microsoft.com/office/mac/drawingml/2011/main" xmlns:a14="http://schemas.microsoft.com/office/drawing/2010/main" xmlns:m="http://schemas.openxmlformats.org/officeDocument/2006/math" xmlns="" val="1"/>
+              <ma14:wrappingTextBoxFlag xmlns="" xmlns:m="http://schemas.openxmlformats.org/officeDocument/2006/math" xmlns:a14="http://schemas.microsoft.com/office/drawing/2010/main" xmlns:ma14="http://schemas.microsoft.com/office/mac/drawingml/2011/main" val="1"/>
             </a:ext>
           </a:extLst>
         </p:spPr>
@@ -6443,7 +6469,7 @@
           </a:ln>
           <a:extLst>
             <a:ext uri="{C572A759-6A51-4108-AA02-DFA0A04FC94B}">
-              <ma14:wrappingTextBoxFlag xmlns:ma14="http://schemas.microsoft.com/office/mac/drawingml/2011/main" xmlns:a14="http://schemas.microsoft.com/office/drawing/2010/main" xmlns:m="http://schemas.openxmlformats.org/officeDocument/2006/math" xmlns="" val="1"/>
+              <ma14:wrappingTextBoxFlag xmlns="" xmlns:m="http://schemas.openxmlformats.org/officeDocument/2006/math" xmlns:a14="http://schemas.microsoft.com/office/drawing/2010/main" xmlns:ma14="http://schemas.microsoft.com/office/mac/drawingml/2011/main" val="1"/>
             </a:ext>
           </a:extLst>
         </p:spPr>
@@ -6503,7 +6529,7 @@
           </a:ln>
           <a:extLst>
             <a:ext uri="{C572A759-6A51-4108-AA02-DFA0A04FC94B}">
-              <ma14:wrappingTextBoxFlag xmlns:ma14="http://schemas.microsoft.com/office/mac/drawingml/2011/main" xmlns:a14="http://schemas.microsoft.com/office/drawing/2010/main" xmlns:m="http://schemas.openxmlformats.org/officeDocument/2006/math" xmlns="" val="1"/>
+              <ma14:wrappingTextBoxFlag xmlns="" xmlns:m="http://schemas.openxmlformats.org/officeDocument/2006/math" xmlns:a14="http://schemas.microsoft.com/office/drawing/2010/main" xmlns:ma14="http://schemas.microsoft.com/office/mac/drawingml/2011/main" val="1"/>
             </a:ext>
           </a:extLst>
         </p:spPr>
@@ -6785,7 +6811,7 @@
           </a:prstGeom>
           <a:extLst>
             <a:ext uri="{C572A759-6A51-4108-AA02-DFA0A04FC94B}">
-              <ma14:wrappingTextBoxFlag xmlns:ma14="http://schemas.microsoft.com/office/mac/drawingml/2011/main" xmlns:a14="http://schemas.microsoft.com/office/drawing/2010/main" xmlns:m="http://schemas.openxmlformats.org/officeDocument/2006/math" xmlns="" val="1"/>
+              <ma14:wrappingTextBoxFlag xmlns="" xmlns:m="http://schemas.openxmlformats.org/officeDocument/2006/math" xmlns:a14="http://schemas.microsoft.com/office/drawing/2010/main" xmlns:ma14="http://schemas.microsoft.com/office/mac/drawingml/2011/main" val="1"/>
             </a:ext>
           </a:extLst>
         </p:spPr>
@@ -6819,7 +6845,7 @@
           </a:ln>
           <a:extLst>
             <a:ext uri="{C572A759-6A51-4108-AA02-DFA0A04FC94B}">
-              <ma14:wrappingTextBoxFlag xmlns:ma14="http://schemas.microsoft.com/office/mac/drawingml/2011/main" xmlns:a14="http://schemas.microsoft.com/office/drawing/2010/main" xmlns:m="http://schemas.openxmlformats.org/officeDocument/2006/math" xmlns="" val="1"/>
+              <ma14:wrappingTextBoxFlag xmlns="" xmlns:m="http://schemas.openxmlformats.org/officeDocument/2006/math" xmlns:a14="http://schemas.microsoft.com/office/drawing/2010/main" xmlns:ma14="http://schemas.microsoft.com/office/mac/drawingml/2011/main" val="1"/>
             </a:ext>
           </a:extLst>
         </p:spPr>
@@ -7006,7 +7032,7 @@
             <a:effectLst/>
             <a:extLst>
               <a:ext uri="{C572A759-6A51-4108-AA02-DFA0A04FC94B}">
-                <ma14:wrappingTextBoxFlag xmlns:ma14="http://schemas.microsoft.com/office/mac/drawingml/2011/main" xmlns:a14="http://schemas.microsoft.com/office/drawing/2010/main" xmlns:m="http://schemas.openxmlformats.org/officeDocument/2006/math" xmlns="" val="1"/>
+                <ma14:wrappingTextBoxFlag xmlns="" xmlns:m="http://schemas.openxmlformats.org/officeDocument/2006/math" xmlns:a14="http://schemas.microsoft.com/office/drawing/2010/main" xmlns:ma14="http://schemas.microsoft.com/office/mac/drawingml/2011/main" val="1"/>
               </a:ext>
             </a:extLst>
           </p:spPr>
@@ -7078,7 +7104,7 @@
             <a:effectLst/>
             <a:extLst>
               <a:ext uri="{C572A759-6A51-4108-AA02-DFA0A04FC94B}">
-                <ma14:wrappingTextBoxFlag xmlns:ma14="http://schemas.microsoft.com/office/mac/drawingml/2011/main" xmlns:a14="http://schemas.microsoft.com/office/drawing/2010/main" xmlns:m="http://schemas.openxmlformats.org/officeDocument/2006/math" xmlns="" val="1"/>
+                <ma14:wrappingTextBoxFlag xmlns="" xmlns:m="http://schemas.openxmlformats.org/officeDocument/2006/math" xmlns:a14="http://schemas.microsoft.com/office/drawing/2010/main" xmlns:ma14="http://schemas.microsoft.com/office/mac/drawingml/2011/main" val="1"/>
               </a:ext>
             </a:extLst>
           </p:spPr>
@@ -7300,7 +7326,7 @@
             <a:effectLst/>
             <a:extLst>
               <a:ext uri="{C572A759-6A51-4108-AA02-DFA0A04FC94B}">
-                <ma14:wrappingTextBoxFlag xmlns:ma14="http://schemas.microsoft.com/office/mac/drawingml/2011/main" xmlns:a14="http://schemas.microsoft.com/office/drawing/2010/main" xmlns:m="http://schemas.openxmlformats.org/officeDocument/2006/math" xmlns="" val="1"/>
+                <ma14:wrappingTextBoxFlag xmlns="" xmlns:m="http://schemas.openxmlformats.org/officeDocument/2006/math" xmlns:a14="http://schemas.microsoft.com/office/drawing/2010/main" xmlns:ma14="http://schemas.microsoft.com/office/mac/drawingml/2011/main" val="1"/>
               </a:ext>
             </a:extLst>
           </p:spPr>
@@ -7372,7 +7398,7 @@
             <a:effectLst/>
             <a:extLst>
               <a:ext uri="{C572A759-6A51-4108-AA02-DFA0A04FC94B}">
-                <ma14:wrappingTextBoxFlag xmlns:ma14="http://schemas.microsoft.com/office/mac/drawingml/2011/main" xmlns:a14="http://schemas.microsoft.com/office/drawing/2010/main" xmlns:m="http://schemas.openxmlformats.org/officeDocument/2006/math" xmlns="" val="1"/>
+                <ma14:wrappingTextBoxFlag xmlns="" xmlns:m="http://schemas.openxmlformats.org/officeDocument/2006/math" xmlns:a14="http://schemas.microsoft.com/office/drawing/2010/main" xmlns:ma14="http://schemas.microsoft.com/office/mac/drawingml/2011/main" val="1"/>
               </a:ext>
             </a:extLst>
           </p:spPr>
@@ -7630,7 +7656,7 @@
           </a:prstGeom>
           <a:extLst>
             <a:ext uri="{C572A759-6A51-4108-AA02-DFA0A04FC94B}">
-              <ma14:wrappingTextBoxFlag xmlns:ma14="http://schemas.microsoft.com/office/mac/drawingml/2011/main" xmlns:a14="http://schemas.microsoft.com/office/drawing/2010/main" xmlns:m="http://schemas.openxmlformats.org/officeDocument/2006/math" xmlns="" val="1"/>
+              <ma14:wrappingTextBoxFlag xmlns="" xmlns:m="http://schemas.openxmlformats.org/officeDocument/2006/math" xmlns:a14="http://schemas.microsoft.com/office/drawing/2010/main" xmlns:ma14="http://schemas.microsoft.com/office/mac/drawingml/2011/main" val="1"/>
             </a:ext>
           </a:extLst>
         </p:spPr>
@@ -7670,7 +7696,7 @@
           </a:ln>
           <a:extLst>
             <a:ext uri="{C572A759-6A51-4108-AA02-DFA0A04FC94B}">
-              <ma14:wrappingTextBoxFlag xmlns:ma14="http://schemas.microsoft.com/office/mac/drawingml/2011/main" xmlns:a14="http://schemas.microsoft.com/office/drawing/2010/main" xmlns:m="http://schemas.openxmlformats.org/officeDocument/2006/math" xmlns="" val="1"/>
+              <ma14:wrappingTextBoxFlag xmlns="" xmlns:m="http://schemas.openxmlformats.org/officeDocument/2006/math" xmlns:a14="http://schemas.microsoft.com/office/drawing/2010/main" xmlns:ma14="http://schemas.microsoft.com/office/mac/drawingml/2011/main" val="1"/>
             </a:ext>
           </a:extLst>
         </p:spPr>
@@ -8722,7 +8748,7 @@
           </a:ln>
           <a:extLst>
             <a:ext uri="{C572A759-6A51-4108-AA02-DFA0A04FC94B}">
-              <ma14:wrappingTextBoxFlag xmlns:ma14="http://schemas.microsoft.com/office/mac/drawingml/2011/main" xmlns:a14="http://schemas.microsoft.com/office/drawing/2010/main" xmlns:m="http://schemas.openxmlformats.org/officeDocument/2006/math" xmlns="" val="1"/>
+              <ma14:wrappingTextBoxFlag xmlns="" xmlns:m="http://schemas.openxmlformats.org/officeDocument/2006/math" xmlns:a14="http://schemas.microsoft.com/office/drawing/2010/main" xmlns:ma14="http://schemas.microsoft.com/office/mac/drawingml/2011/main" val="1"/>
             </a:ext>
           </a:extLst>
         </p:spPr>
@@ -8782,7 +8808,7 @@
           </a:ln>
           <a:extLst>
             <a:ext uri="{C572A759-6A51-4108-AA02-DFA0A04FC94B}">
-              <ma14:wrappingTextBoxFlag xmlns:ma14="http://schemas.microsoft.com/office/mac/drawingml/2011/main" xmlns:a14="http://schemas.microsoft.com/office/drawing/2010/main" xmlns:m="http://schemas.openxmlformats.org/officeDocument/2006/math" xmlns="" val="1"/>
+              <ma14:wrappingTextBoxFlag xmlns="" xmlns:m="http://schemas.openxmlformats.org/officeDocument/2006/math" xmlns:a14="http://schemas.microsoft.com/office/drawing/2010/main" xmlns:ma14="http://schemas.microsoft.com/office/mac/drawingml/2011/main" val="1"/>
             </a:ext>
           </a:extLst>
         </p:spPr>
@@ -9006,7 +9032,7 @@
           </a:ln>
           <a:extLst>
             <a:ext uri="{C572A759-6A51-4108-AA02-DFA0A04FC94B}">
-              <ma14:wrappingTextBoxFlag xmlns:ma14="http://schemas.microsoft.com/office/mac/drawingml/2011/main" xmlns:a14="http://schemas.microsoft.com/office/drawing/2010/main" xmlns:m="http://schemas.openxmlformats.org/officeDocument/2006/math" xmlns="" val="1"/>
+              <ma14:wrappingTextBoxFlag xmlns="" xmlns:m="http://schemas.openxmlformats.org/officeDocument/2006/math" xmlns:a14="http://schemas.microsoft.com/office/drawing/2010/main" xmlns:ma14="http://schemas.microsoft.com/office/mac/drawingml/2011/main" val="1"/>
             </a:ext>
           </a:extLst>
         </p:spPr>
@@ -9999,7 +10025,7 @@
           </a:prstGeom>
           <a:extLst>
             <a:ext uri="{C572A759-6A51-4108-AA02-DFA0A04FC94B}">
-              <ma14:wrappingTextBoxFlag xmlns:ma14="http://schemas.microsoft.com/office/mac/drawingml/2011/main" xmlns:a14="http://schemas.microsoft.com/office/drawing/2010/main" xmlns:m="http://schemas.openxmlformats.org/officeDocument/2006/math" xmlns="" val="1"/>
+              <ma14:wrappingTextBoxFlag xmlns="" xmlns:m="http://schemas.openxmlformats.org/officeDocument/2006/math" xmlns:a14="http://schemas.microsoft.com/office/drawing/2010/main" xmlns:ma14="http://schemas.microsoft.com/office/mac/drawingml/2011/main" val="1"/>
             </a:ext>
           </a:extLst>
         </p:spPr>
@@ -10052,7 +10078,7 @@
             <a:effectLst/>
             <a:extLst>
               <a:ext uri="{C572A759-6A51-4108-AA02-DFA0A04FC94B}">
-                <ma14:wrappingTextBoxFlag xmlns:ma14="http://schemas.microsoft.com/office/mac/drawingml/2011/main" xmlns:a14="http://schemas.microsoft.com/office/drawing/2010/main" xmlns:m="http://schemas.openxmlformats.org/officeDocument/2006/math" xmlns="" val="1"/>
+                <ma14:wrappingTextBoxFlag xmlns="" xmlns:m="http://schemas.openxmlformats.org/officeDocument/2006/math" xmlns:a14="http://schemas.microsoft.com/office/drawing/2010/main" xmlns:ma14="http://schemas.microsoft.com/office/mac/drawingml/2011/main" val="1"/>
               </a:ext>
             </a:extLst>
           </p:spPr>
@@ -10145,7 +10171,7 @@
             <a:effectLst/>
             <a:extLst>
               <a:ext uri="{C572A759-6A51-4108-AA02-DFA0A04FC94B}">
-                <ma14:wrappingTextBoxFlag xmlns:ma14="http://schemas.microsoft.com/office/mac/drawingml/2011/main" xmlns:a14="http://schemas.microsoft.com/office/drawing/2010/main" xmlns:m="http://schemas.openxmlformats.org/officeDocument/2006/math" xmlns="" val="1"/>
+                <ma14:wrappingTextBoxFlag xmlns="" xmlns:m="http://schemas.openxmlformats.org/officeDocument/2006/math" xmlns:a14="http://schemas.microsoft.com/office/drawing/2010/main" xmlns:ma14="http://schemas.microsoft.com/office/mac/drawingml/2011/main" val="1"/>
               </a:ext>
             </a:extLst>
           </p:spPr>
@@ -10238,7 +10264,7 @@
             <a:effectLst/>
             <a:extLst>
               <a:ext uri="{C572A759-6A51-4108-AA02-DFA0A04FC94B}">
-                <ma14:wrappingTextBoxFlag xmlns:ma14="http://schemas.microsoft.com/office/mac/drawingml/2011/main" xmlns:a14="http://schemas.microsoft.com/office/drawing/2010/main" xmlns:m="http://schemas.openxmlformats.org/officeDocument/2006/math" xmlns="" val="1"/>
+                <ma14:wrappingTextBoxFlag xmlns="" xmlns:m="http://schemas.openxmlformats.org/officeDocument/2006/math" xmlns:a14="http://schemas.microsoft.com/office/drawing/2010/main" xmlns:ma14="http://schemas.microsoft.com/office/mac/drawingml/2011/main" val="1"/>
               </a:ext>
             </a:extLst>
           </p:spPr>
@@ -10574,7 +10600,7 @@
           </a:prstGeom>
           <a:extLst>
             <a:ext uri="{C572A759-6A51-4108-AA02-DFA0A04FC94B}">
-              <ma14:wrappingTextBoxFlag xmlns:ma14="http://schemas.microsoft.com/office/mac/drawingml/2011/main" xmlns:a14="http://schemas.microsoft.com/office/drawing/2010/main" xmlns:m="http://schemas.openxmlformats.org/officeDocument/2006/math" xmlns="" val="1"/>
+              <ma14:wrappingTextBoxFlag xmlns="" xmlns:m="http://schemas.openxmlformats.org/officeDocument/2006/math" xmlns:a14="http://schemas.microsoft.com/office/drawing/2010/main" xmlns:ma14="http://schemas.microsoft.com/office/mac/drawingml/2011/main" val="1"/>
             </a:ext>
           </a:extLst>
         </p:spPr>
@@ -10698,7 +10724,7 @@
           </a:prstGeom>
           <a:extLst>
             <a:ext uri="{C572A759-6A51-4108-AA02-DFA0A04FC94B}">
-              <ma14:wrappingTextBoxFlag xmlns:ma14="http://schemas.microsoft.com/office/mac/drawingml/2011/main" xmlns:a14="http://schemas.microsoft.com/office/drawing/2010/main" xmlns:m="http://schemas.openxmlformats.org/officeDocument/2006/math" xmlns="" val="1"/>
+              <ma14:wrappingTextBoxFlag xmlns="" xmlns:m="http://schemas.openxmlformats.org/officeDocument/2006/math" xmlns:a14="http://schemas.microsoft.com/office/drawing/2010/main" xmlns:ma14="http://schemas.microsoft.com/office/mac/drawingml/2011/main" val="1"/>
             </a:ext>
           </a:extLst>
         </p:spPr>
@@ -10738,7 +10764,7 @@
           </a:ln>
           <a:extLst>
             <a:ext uri="{C572A759-6A51-4108-AA02-DFA0A04FC94B}">
-              <ma14:wrappingTextBoxFlag xmlns:ma14="http://schemas.microsoft.com/office/mac/drawingml/2011/main" xmlns:a14="http://schemas.microsoft.com/office/drawing/2010/main" xmlns:m="http://schemas.openxmlformats.org/officeDocument/2006/math" xmlns="" val="1"/>
+              <ma14:wrappingTextBoxFlag xmlns="" xmlns:m="http://schemas.openxmlformats.org/officeDocument/2006/math" xmlns:a14="http://schemas.microsoft.com/office/drawing/2010/main" xmlns:ma14="http://schemas.microsoft.com/office/mac/drawingml/2011/main" val="1"/>
             </a:ext>
           </a:extLst>
         </p:spPr>
@@ -11443,7 +11469,7 @@
           </a:prstGeom>
           <a:extLst>
             <a:ext uri="{C572A759-6A51-4108-AA02-DFA0A04FC94B}">
-              <ma14:wrappingTextBoxFlag xmlns:ma14="http://schemas.microsoft.com/office/mac/drawingml/2011/main" xmlns:a14="http://schemas.microsoft.com/office/drawing/2010/main" xmlns:m="http://schemas.openxmlformats.org/officeDocument/2006/math" xmlns="" val="1"/>
+              <ma14:wrappingTextBoxFlag xmlns="" xmlns:m="http://schemas.openxmlformats.org/officeDocument/2006/math" xmlns:a14="http://schemas.microsoft.com/office/drawing/2010/main" xmlns:ma14="http://schemas.microsoft.com/office/mac/drawingml/2011/main" val="1"/>
             </a:ext>
           </a:extLst>
         </p:spPr>
@@ -11483,7 +11509,7 @@
           </a:ln>
           <a:extLst>
             <a:ext uri="{C572A759-6A51-4108-AA02-DFA0A04FC94B}">
-              <ma14:wrappingTextBoxFlag xmlns:ma14="http://schemas.microsoft.com/office/mac/drawingml/2011/main" xmlns:a14="http://schemas.microsoft.com/office/drawing/2010/main" xmlns:m="http://schemas.openxmlformats.org/officeDocument/2006/math" xmlns="" val="1"/>
+              <ma14:wrappingTextBoxFlag xmlns="" xmlns:m="http://schemas.openxmlformats.org/officeDocument/2006/math" xmlns:a14="http://schemas.microsoft.com/office/drawing/2010/main" xmlns:ma14="http://schemas.microsoft.com/office/mac/drawingml/2011/main" val="1"/>
             </a:ext>
           </a:extLst>
         </p:spPr>
@@ -12118,7 +12144,7 @@
             <a:effectLst/>
             <a:extLst>
               <a:ext uri="{C572A759-6A51-4108-AA02-DFA0A04FC94B}">
-                <ma14:wrappingTextBoxFlag xmlns:ma14="http://schemas.microsoft.com/office/mac/drawingml/2011/main" xmlns:a14="http://schemas.microsoft.com/office/drawing/2010/main" xmlns:m="http://schemas.openxmlformats.org/officeDocument/2006/math" xmlns="" val="1"/>
+                <ma14:wrappingTextBoxFlag xmlns="" xmlns:m="http://schemas.openxmlformats.org/officeDocument/2006/math" xmlns:a14="http://schemas.microsoft.com/office/drawing/2010/main" xmlns:ma14="http://schemas.microsoft.com/office/mac/drawingml/2011/main" val="1"/>
               </a:ext>
             </a:extLst>
           </p:spPr>
@@ -12214,7 +12240,7 @@
             <a:effectLst/>
             <a:extLst>
               <a:ext uri="{C572A759-6A51-4108-AA02-DFA0A04FC94B}">
-                <ma14:wrappingTextBoxFlag xmlns:ma14="http://schemas.microsoft.com/office/mac/drawingml/2011/main" xmlns:a14="http://schemas.microsoft.com/office/drawing/2010/main" xmlns:m="http://schemas.openxmlformats.org/officeDocument/2006/math" xmlns="" val="1"/>
+                <ma14:wrappingTextBoxFlag xmlns="" xmlns:m="http://schemas.openxmlformats.org/officeDocument/2006/math" xmlns:a14="http://schemas.microsoft.com/office/drawing/2010/main" xmlns:ma14="http://schemas.microsoft.com/office/mac/drawingml/2011/main" val="1"/>
               </a:ext>
             </a:extLst>
           </p:spPr>
@@ -12600,7 +12626,7 @@
           </a:prstGeom>
           <a:extLst>
             <a:ext uri="{C572A759-6A51-4108-AA02-DFA0A04FC94B}">
-              <ma14:wrappingTextBoxFlag xmlns:ma14="http://schemas.microsoft.com/office/mac/drawingml/2011/main" xmlns:a14="http://schemas.microsoft.com/office/drawing/2010/main" xmlns:m="http://schemas.openxmlformats.org/officeDocument/2006/math" xmlns="" val="1"/>
+              <ma14:wrappingTextBoxFlag xmlns="" xmlns:m="http://schemas.openxmlformats.org/officeDocument/2006/math" xmlns:a14="http://schemas.microsoft.com/office/drawing/2010/main" xmlns:ma14="http://schemas.microsoft.com/office/mac/drawingml/2011/main" val="1"/>
             </a:ext>
           </a:extLst>
         </p:spPr>
@@ -12640,7 +12666,7 @@
           </a:ln>
           <a:extLst>
             <a:ext uri="{C572A759-6A51-4108-AA02-DFA0A04FC94B}">
-              <ma14:wrappingTextBoxFlag xmlns:ma14="http://schemas.microsoft.com/office/mac/drawingml/2011/main" xmlns:a14="http://schemas.microsoft.com/office/drawing/2010/main" xmlns:m="http://schemas.openxmlformats.org/officeDocument/2006/math" xmlns="" val="1"/>
+              <ma14:wrappingTextBoxFlag xmlns="" xmlns:m="http://schemas.openxmlformats.org/officeDocument/2006/math" xmlns:a14="http://schemas.microsoft.com/office/drawing/2010/main" xmlns:ma14="http://schemas.microsoft.com/office/mac/drawingml/2011/main" val="1"/>
             </a:ext>
           </a:extLst>
         </p:spPr>
@@ -13417,7 +13443,7 @@
             <a:effectLst/>
             <a:extLst>
               <a:ext uri="{C572A759-6A51-4108-AA02-DFA0A04FC94B}">
-                <ma14:wrappingTextBoxFlag xmlns:ma14="http://schemas.microsoft.com/office/mac/drawingml/2011/main" xmlns:a14="http://schemas.microsoft.com/office/drawing/2010/main" xmlns:m="http://schemas.openxmlformats.org/officeDocument/2006/math" xmlns="" val="1"/>
+                <ma14:wrappingTextBoxFlag xmlns="" xmlns:m="http://schemas.openxmlformats.org/officeDocument/2006/math" xmlns:a14="http://schemas.microsoft.com/office/drawing/2010/main" xmlns:ma14="http://schemas.microsoft.com/office/mac/drawingml/2011/main" val="1"/>
               </a:ext>
             </a:extLst>
           </p:spPr>
@@ -13547,7 +13573,7 @@
             <a:effectLst/>
             <a:extLst>
               <a:ext uri="{C572A759-6A51-4108-AA02-DFA0A04FC94B}">
-                <ma14:wrappingTextBoxFlag xmlns:ma14="http://schemas.microsoft.com/office/mac/drawingml/2011/main" xmlns:a14="http://schemas.microsoft.com/office/drawing/2010/main" xmlns:m="http://schemas.openxmlformats.org/officeDocument/2006/math" xmlns="" val="1"/>
+                <ma14:wrappingTextBoxFlag xmlns="" xmlns:m="http://schemas.openxmlformats.org/officeDocument/2006/math" xmlns:a14="http://schemas.microsoft.com/office/drawing/2010/main" xmlns:ma14="http://schemas.microsoft.com/office/mac/drawingml/2011/main" val="1"/>
               </a:ext>
             </a:extLst>
           </p:spPr>
@@ -13677,7 +13703,7 @@
             <a:effectLst/>
             <a:extLst>
               <a:ext uri="{C572A759-6A51-4108-AA02-DFA0A04FC94B}">
-                <ma14:wrappingTextBoxFlag xmlns:ma14="http://schemas.microsoft.com/office/mac/drawingml/2011/main" xmlns:a14="http://schemas.microsoft.com/office/drawing/2010/main" xmlns:m="http://schemas.openxmlformats.org/officeDocument/2006/math" xmlns="" val="1"/>
+                <ma14:wrappingTextBoxFlag xmlns="" xmlns:m="http://schemas.openxmlformats.org/officeDocument/2006/math" xmlns:a14="http://schemas.microsoft.com/office/drawing/2010/main" xmlns:ma14="http://schemas.microsoft.com/office/mac/drawingml/2011/main" val="1"/>
               </a:ext>
             </a:extLst>
           </p:spPr>
@@ -14018,7 +14044,7 @@
           </a:prstGeom>
           <a:extLst>
             <a:ext uri="{C572A759-6A51-4108-AA02-DFA0A04FC94B}">
-              <ma14:wrappingTextBoxFlag xmlns:ma14="http://schemas.microsoft.com/office/mac/drawingml/2011/main" xmlns:a14="http://schemas.microsoft.com/office/drawing/2010/main" xmlns:m="http://schemas.openxmlformats.org/officeDocument/2006/math" xmlns="" val="1"/>
+              <ma14:wrappingTextBoxFlag xmlns="" xmlns:m="http://schemas.openxmlformats.org/officeDocument/2006/math" xmlns:a14="http://schemas.microsoft.com/office/drawing/2010/main" xmlns:ma14="http://schemas.microsoft.com/office/mac/drawingml/2011/main" val="1"/>
             </a:ext>
           </a:extLst>
         </p:spPr>
@@ -14052,7 +14078,7 @@
           </a:ln>
           <a:extLst>
             <a:ext uri="{C572A759-6A51-4108-AA02-DFA0A04FC94B}">
-              <ma14:wrappingTextBoxFlag xmlns:ma14="http://schemas.microsoft.com/office/mac/drawingml/2011/main" xmlns:a14="http://schemas.microsoft.com/office/drawing/2010/main" xmlns:m="http://schemas.openxmlformats.org/officeDocument/2006/math" xmlns="" val="1"/>
+              <ma14:wrappingTextBoxFlag xmlns="" xmlns:m="http://schemas.openxmlformats.org/officeDocument/2006/math" xmlns:a14="http://schemas.microsoft.com/office/drawing/2010/main" xmlns:ma14="http://schemas.microsoft.com/office/mac/drawingml/2011/main" val="1"/>
             </a:ext>
           </a:extLst>
         </p:spPr>
@@ -14264,7 +14290,7 @@
           </a:prstGeom>
           <a:extLst>
             <a:ext uri="{C572A759-6A51-4108-AA02-DFA0A04FC94B}">
-              <ma14:wrappingTextBoxFlag xmlns:ma14="http://schemas.microsoft.com/office/mac/drawingml/2011/main" xmlns:a14="http://schemas.microsoft.com/office/drawing/2010/main" xmlns:m="http://schemas.openxmlformats.org/officeDocument/2006/math" xmlns="" val="1"/>
+              <ma14:wrappingTextBoxFlag xmlns="" xmlns:m="http://schemas.openxmlformats.org/officeDocument/2006/math" xmlns:a14="http://schemas.microsoft.com/office/drawing/2010/main" xmlns:ma14="http://schemas.microsoft.com/office/mac/drawingml/2011/main" val="1"/>
             </a:ext>
           </a:extLst>
         </p:spPr>
@@ -14398,7 +14424,7 @@
           </a:prstGeom>
           <a:extLst>
             <a:ext uri="{C572A759-6A51-4108-AA02-DFA0A04FC94B}">
-              <ma14:wrappingTextBoxFlag xmlns:ma14="http://schemas.microsoft.com/office/mac/drawingml/2011/main" xmlns:a14="http://schemas.microsoft.com/office/drawing/2010/main" xmlns:m="http://schemas.openxmlformats.org/officeDocument/2006/math" xmlns="" val="1"/>
+              <ma14:wrappingTextBoxFlag xmlns="" xmlns:m="http://schemas.openxmlformats.org/officeDocument/2006/math" xmlns:a14="http://schemas.microsoft.com/office/drawing/2010/main" xmlns:ma14="http://schemas.microsoft.com/office/mac/drawingml/2011/main" val="1"/>
             </a:ext>
           </a:extLst>
         </p:spPr>
@@ -14438,7 +14464,7 @@
           </a:ln>
           <a:extLst>
             <a:ext uri="{C572A759-6A51-4108-AA02-DFA0A04FC94B}">
-              <ma14:wrappingTextBoxFlag xmlns:ma14="http://schemas.microsoft.com/office/mac/drawingml/2011/main" xmlns:a14="http://schemas.microsoft.com/office/drawing/2010/main" xmlns:m="http://schemas.openxmlformats.org/officeDocument/2006/math" xmlns="" val="1"/>
+              <ma14:wrappingTextBoxFlag xmlns="" xmlns:m="http://schemas.openxmlformats.org/officeDocument/2006/math" xmlns:a14="http://schemas.microsoft.com/office/drawing/2010/main" xmlns:ma14="http://schemas.microsoft.com/office/mac/drawingml/2011/main" val="1"/>
             </a:ext>
           </a:extLst>
         </p:spPr>
@@ -14713,7 +14739,7 @@
             <a:effectLst/>
             <a:extLst>
               <a:ext uri="{C572A759-6A51-4108-AA02-DFA0A04FC94B}">
-                <ma14:wrappingTextBoxFlag xmlns:ma14="http://schemas.microsoft.com/office/mac/drawingml/2011/main" xmlns:a14="http://schemas.microsoft.com/office/drawing/2010/main" xmlns:m="http://schemas.openxmlformats.org/officeDocument/2006/math" xmlns="" val="1"/>
+                <ma14:wrappingTextBoxFlag xmlns="" xmlns:m="http://schemas.openxmlformats.org/officeDocument/2006/math" xmlns:a14="http://schemas.microsoft.com/office/drawing/2010/main" xmlns:ma14="http://schemas.microsoft.com/office/mac/drawingml/2011/main" val="1"/>
               </a:ext>
             </a:extLst>
           </p:spPr>
@@ -14961,7 +14987,7 @@
           </a:prstGeom>
           <a:extLst>
             <a:ext uri="{C572A759-6A51-4108-AA02-DFA0A04FC94B}">
-              <ma14:wrappingTextBoxFlag xmlns:ma14="http://schemas.microsoft.com/office/mac/drawingml/2011/main" xmlns:a14="http://schemas.microsoft.com/office/drawing/2010/main" xmlns:m="http://schemas.openxmlformats.org/officeDocument/2006/math" xmlns="" val="1"/>
+              <ma14:wrappingTextBoxFlag xmlns="" xmlns:m="http://schemas.openxmlformats.org/officeDocument/2006/math" xmlns:a14="http://schemas.microsoft.com/office/drawing/2010/main" xmlns:ma14="http://schemas.microsoft.com/office/mac/drawingml/2011/main" val="1"/>
             </a:ext>
           </a:extLst>
         </p:spPr>
@@ -15001,7 +15027,7 @@
           </a:ln>
           <a:extLst>
             <a:ext uri="{C572A759-6A51-4108-AA02-DFA0A04FC94B}">
-              <ma14:wrappingTextBoxFlag xmlns:ma14="http://schemas.microsoft.com/office/mac/drawingml/2011/main" xmlns:a14="http://schemas.microsoft.com/office/drawing/2010/main" xmlns:m="http://schemas.openxmlformats.org/officeDocument/2006/math" xmlns="" val="1"/>
+              <ma14:wrappingTextBoxFlag xmlns="" xmlns:m="http://schemas.openxmlformats.org/officeDocument/2006/math" xmlns:a14="http://schemas.microsoft.com/office/drawing/2010/main" xmlns:ma14="http://schemas.microsoft.com/office/mac/drawingml/2011/main" val="1"/>
             </a:ext>
           </a:extLst>
         </p:spPr>
@@ -15276,7 +15302,7 @@
             <a:effectLst/>
             <a:extLst>
               <a:ext uri="{C572A759-6A51-4108-AA02-DFA0A04FC94B}">
-                <ma14:wrappingTextBoxFlag xmlns:ma14="http://schemas.microsoft.com/office/mac/drawingml/2011/main" xmlns:a14="http://schemas.microsoft.com/office/drawing/2010/main" xmlns:m="http://schemas.openxmlformats.org/officeDocument/2006/math" xmlns="" val="1"/>
+                <ma14:wrappingTextBoxFlag xmlns="" xmlns:m="http://schemas.openxmlformats.org/officeDocument/2006/math" xmlns:a14="http://schemas.microsoft.com/office/drawing/2010/main" xmlns:ma14="http://schemas.microsoft.com/office/mac/drawingml/2011/main" val="1"/>
               </a:ext>
             </a:extLst>
           </p:spPr>
@@ -15497,7 +15523,7 @@
           </a:prstGeom>
           <a:extLst>
             <a:ext uri="{C572A759-6A51-4108-AA02-DFA0A04FC94B}">
-              <ma14:wrappingTextBoxFlag xmlns:ma14="http://schemas.microsoft.com/office/mac/drawingml/2011/main" xmlns:a14="http://schemas.microsoft.com/office/drawing/2010/main" xmlns:m="http://schemas.openxmlformats.org/officeDocument/2006/math" xmlns="" val="1"/>
+              <ma14:wrappingTextBoxFlag xmlns="" xmlns:m="http://schemas.openxmlformats.org/officeDocument/2006/math" xmlns:a14="http://schemas.microsoft.com/office/drawing/2010/main" xmlns:ma14="http://schemas.microsoft.com/office/mac/drawingml/2011/main" val="1"/>
             </a:ext>
           </a:extLst>
         </p:spPr>
@@ -15634,7 +15660,7 @@
           </a:prstGeom>
           <a:extLst>
             <a:ext uri="{C572A759-6A51-4108-AA02-DFA0A04FC94B}">
-              <ma14:wrappingTextBoxFlag xmlns:ma14="http://schemas.microsoft.com/office/mac/drawingml/2011/main" xmlns:a14="http://schemas.microsoft.com/office/drawing/2010/main" xmlns:m="http://schemas.openxmlformats.org/officeDocument/2006/math" xmlns="" val="1"/>
+              <ma14:wrappingTextBoxFlag xmlns="" xmlns:m="http://schemas.openxmlformats.org/officeDocument/2006/math" xmlns:a14="http://schemas.microsoft.com/office/drawing/2010/main" xmlns:ma14="http://schemas.microsoft.com/office/mac/drawingml/2011/main" val="1"/>
             </a:ext>
           </a:extLst>
         </p:spPr>
@@ -15795,7 +15821,7 @@
           </a:prstGeom>
           <a:extLst>
             <a:ext uri="{C572A759-6A51-4108-AA02-DFA0A04FC94B}">
-              <ma14:wrappingTextBoxFlag xmlns:ma14="http://schemas.microsoft.com/office/mac/drawingml/2011/main" xmlns:a14="http://schemas.microsoft.com/office/drawing/2010/main" xmlns:m="http://schemas.openxmlformats.org/officeDocument/2006/math" xmlns="" val="1"/>
+              <ma14:wrappingTextBoxFlag xmlns="" xmlns:m="http://schemas.openxmlformats.org/officeDocument/2006/math" xmlns:a14="http://schemas.microsoft.com/office/drawing/2010/main" xmlns:ma14="http://schemas.microsoft.com/office/mac/drawingml/2011/main" val="1"/>
             </a:ext>
           </a:extLst>
         </p:spPr>
@@ -16019,7 +16045,7 @@
           </a:prstGeom>
           <a:extLst>
             <a:ext uri="{C572A759-6A51-4108-AA02-DFA0A04FC94B}">
-              <ma14:wrappingTextBoxFlag xmlns:ma14="http://schemas.microsoft.com/office/mac/drawingml/2011/main" xmlns:a14="http://schemas.microsoft.com/office/drawing/2010/main" xmlns:m="http://schemas.openxmlformats.org/officeDocument/2006/math" xmlns="" val="1"/>
+              <ma14:wrappingTextBoxFlag xmlns="" xmlns:m="http://schemas.openxmlformats.org/officeDocument/2006/math" xmlns:a14="http://schemas.microsoft.com/office/drawing/2010/main" xmlns:ma14="http://schemas.microsoft.com/office/mac/drawingml/2011/main" val="1"/>
             </a:ext>
           </a:extLst>
         </p:spPr>
@@ -16911,7 +16937,7 @@
           </a:prstGeom>
           <a:extLst>
             <a:ext uri="{C572A759-6A51-4108-AA02-DFA0A04FC94B}">
-              <ma14:wrappingTextBoxFlag xmlns:ma14="http://schemas.microsoft.com/office/mac/drawingml/2011/main" xmlns:a14="http://schemas.microsoft.com/office/drawing/2010/main" xmlns:m="http://schemas.openxmlformats.org/officeDocument/2006/math" xmlns="" val="1"/>
+              <ma14:wrappingTextBoxFlag xmlns="" xmlns:m="http://schemas.openxmlformats.org/officeDocument/2006/math" xmlns:a14="http://schemas.microsoft.com/office/drawing/2010/main" xmlns:ma14="http://schemas.microsoft.com/office/mac/drawingml/2011/main" val="1"/>
             </a:ext>
           </a:extLst>
         </p:spPr>
@@ -17053,7 +17079,7 @@
           </a:prstGeom>
           <a:extLst>
             <a:ext uri="{C572A759-6A51-4108-AA02-DFA0A04FC94B}">
-              <ma14:wrappingTextBoxFlag xmlns:ma14="http://schemas.microsoft.com/office/mac/drawingml/2011/main" xmlns:a14="http://schemas.microsoft.com/office/drawing/2010/main" xmlns:m="http://schemas.openxmlformats.org/officeDocument/2006/math" xmlns="" val="1"/>
+              <ma14:wrappingTextBoxFlag xmlns="" xmlns:m="http://schemas.openxmlformats.org/officeDocument/2006/math" xmlns:a14="http://schemas.microsoft.com/office/drawing/2010/main" xmlns:ma14="http://schemas.microsoft.com/office/mac/drawingml/2011/main" val="1"/>
             </a:ext>
           </a:extLst>
         </p:spPr>
@@ -17200,7 +17226,7 @@
           </a:prstGeom>
           <a:extLst>
             <a:ext uri="{C572A759-6A51-4108-AA02-DFA0A04FC94B}">
-              <ma14:wrappingTextBoxFlag xmlns:ma14="http://schemas.microsoft.com/office/mac/drawingml/2011/main" xmlns:a14="http://schemas.microsoft.com/office/drawing/2010/main" xmlns:m="http://schemas.openxmlformats.org/officeDocument/2006/math" xmlns="" val="1"/>
+              <ma14:wrappingTextBoxFlag xmlns="" xmlns:m="http://schemas.openxmlformats.org/officeDocument/2006/math" xmlns:a14="http://schemas.microsoft.com/office/drawing/2010/main" xmlns:ma14="http://schemas.microsoft.com/office/mac/drawingml/2011/main" val="1"/>
             </a:ext>
           </a:extLst>
         </p:spPr>
@@ -17240,7 +17266,7 @@
           </a:ln>
           <a:extLst>
             <a:ext uri="{C572A759-6A51-4108-AA02-DFA0A04FC94B}">
-              <ma14:wrappingTextBoxFlag xmlns:ma14="http://schemas.microsoft.com/office/mac/drawingml/2011/main" xmlns:a14="http://schemas.microsoft.com/office/drawing/2010/main" xmlns:m="http://schemas.openxmlformats.org/officeDocument/2006/math" xmlns="" val="1"/>
+              <ma14:wrappingTextBoxFlag xmlns="" xmlns:m="http://schemas.openxmlformats.org/officeDocument/2006/math" xmlns:a14="http://schemas.microsoft.com/office/drawing/2010/main" xmlns:ma14="http://schemas.microsoft.com/office/mac/drawingml/2011/main" val="1"/>
             </a:ext>
           </a:extLst>
         </p:spPr>
@@ -17674,7 +17700,7 @@
             <a:effectLst/>
             <a:extLst>
               <a:ext uri="{C572A759-6A51-4108-AA02-DFA0A04FC94B}">
-                <ma14:wrappingTextBoxFlag xmlns:ma14="http://schemas.microsoft.com/office/mac/drawingml/2011/main" xmlns:a14="http://schemas.microsoft.com/office/drawing/2010/main" xmlns:m="http://schemas.openxmlformats.org/officeDocument/2006/math" xmlns="" val="1"/>
+                <ma14:wrappingTextBoxFlag xmlns="" xmlns:m="http://schemas.openxmlformats.org/officeDocument/2006/math" xmlns:a14="http://schemas.microsoft.com/office/drawing/2010/main" xmlns:ma14="http://schemas.microsoft.com/office/mac/drawingml/2011/main" val="1"/>
               </a:ext>
             </a:extLst>
           </p:spPr>
@@ -17755,7 +17781,7 @@
             <a:effectLst/>
             <a:extLst>
               <a:ext uri="{C572A759-6A51-4108-AA02-DFA0A04FC94B}">
-                <ma14:wrappingTextBoxFlag xmlns:ma14="http://schemas.microsoft.com/office/mac/drawingml/2011/main" xmlns:a14="http://schemas.microsoft.com/office/drawing/2010/main" xmlns:m="http://schemas.openxmlformats.org/officeDocument/2006/math" xmlns="" val="1"/>
+                <ma14:wrappingTextBoxFlag xmlns="" xmlns:m="http://schemas.openxmlformats.org/officeDocument/2006/math" xmlns:a14="http://schemas.microsoft.com/office/drawing/2010/main" xmlns:ma14="http://schemas.microsoft.com/office/mac/drawingml/2011/main" val="1"/>
               </a:ext>
             </a:extLst>
           </p:spPr>
@@ -17967,7 +17993,7 @@
           </a:prstGeom>
           <a:extLst>
             <a:ext uri="{C572A759-6A51-4108-AA02-DFA0A04FC94B}">
-              <ma14:wrappingTextBoxFlag xmlns:ma14="http://schemas.microsoft.com/office/mac/drawingml/2011/main" xmlns:a14="http://schemas.microsoft.com/office/drawing/2010/main" xmlns:m="http://schemas.openxmlformats.org/officeDocument/2006/math" xmlns="" val="1"/>
+              <ma14:wrappingTextBoxFlag xmlns="" xmlns:m="http://schemas.openxmlformats.org/officeDocument/2006/math" xmlns:a14="http://schemas.microsoft.com/office/drawing/2010/main" xmlns:ma14="http://schemas.microsoft.com/office/mac/drawingml/2011/main" val="1"/>
             </a:ext>
           </a:extLst>
         </p:spPr>
@@ -18007,7 +18033,7 @@
           </a:ln>
           <a:extLst>
             <a:ext uri="{C572A759-6A51-4108-AA02-DFA0A04FC94B}">
-              <ma14:wrappingTextBoxFlag xmlns:ma14="http://schemas.microsoft.com/office/mac/drawingml/2011/main" xmlns:a14="http://schemas.microsoft.com/office/drawing/2010/main" xmlns:m="http://schemas.openxmlformats.org/officeDocument/2006/math" xmlns="" val="1"/>
+              <ma14:wrappingTextBoxFlag xmlns="" xmlns:m="http://schemas.openxmlformats.org/officeDocument/2006/math" xmlns:a14="http://schemas.microsoft.com/office/drawing/2010/main" xmlns:ma14="http://schemas.microsoft.com/office/mac/drawingml/2011/main" val="1"/>
             </a:ext>
           </a:extLst>
         </p:spPr>
@@ -18550,7 +18576,7 @@
           </a:ln>
           <a:extLst>
             <a:ext uri="{C572A759-6A51-4108-AA02-DFA0A04FC94B}">
-              <ma14:wrappingTextBoxFlag xmlns:ma14="http://schemas.microsoft.com/office/mac/drawingml/2011/main" xmlns:a14="http://schemas.microsoft.com/office/drawing/2010/main" xmlns:m="http://schemas.openxmlformats.org/officeDocument/2006/math" xmlns="" val="1"/>
+              <ma14:wrappingTextBoxFlag xmlns="" xmlns:m="http://schemas.openxmlformats.org/officeDocument/2006/math" xmlns:a14="http://schemas.microsoft.com/office/drawing/2010/main" xmlns:ma14="http://schemas.microsoft.com/office/mac/drawingml/2011/main" val="1"/>
             </a:ext>
           </a:extLst>
         </p:spPr>
@@ -18604,7 +18630,7 @@
           </a:ln>
           <a:extLst>
             <a:ext uri="{C572A759-6A51-4108-AA02-DFA0A04FC94B}">
-              <ma14:wrappingTextBoxFlag xmlns:ma14="http://schemas.microsoft.com/office/mac/drawingml/2011/main" xmlns:a14="http://schemas.microsoft.com/office/drawing/2010/main" xmlns:m="http://schemas.openxmlformats.org/officeDocument/2006/math" xmlns="" val="1"/>
+              <ma14:wrappingTextBoxFlag xmlns="" xmlns:m="http://schemas.openxmlformats.org/officeDocument/2006/math" xmlns:a14="http://schemas.microsoft.com/office/drawing/2010/main" xmlns:ma14="http://schemas.microsoft.com/office/mac/drawingml/2011/main" val="1"/>
             </a:ext>
           </a:extLst>
         </p:spPr>
@@ -18643,7 +18669,7 @@
           </a:ln>
           <a:extLst>
             <a:ext uri="{C572A759-6A51-4108-AA02-DFA0A04FC94B}">
-              <ma14:wrappingTextBoxFlag xmlns:ma14="http://schemas.microsoft.com/office/mac/drawingml/2011/main" xmlns:a14="http://schemas.microsoft.com/office/drawing/2010/main" xmlns:m="http://schemas.openxmlformats.org/officeDocument/2006/math" xmlns="" val="1"/>
+              <ma14:wrappingTextBoxFlag xmlns="" xmlns:m="http://schemas.openxmlformats.org/officeDocument/2006/math" xmlns:a14="http://schemas.microsoft.com/office/drawing/2010/main" xmlns:ma14="http://schemas.microsoft.com/office/mac/drawingml/2011/main" val="1"/>
             </a:ext>
           </a:extLst>
         </p:spPr>
@@ -18678,7 +18704,7 @@
           </a:ln>
           <a:extLst>
             <a:ext uri="{C572A759-6A51-4108-AA02-DFA0A04FC94B}">
-              <ma14:wrappingTextBoxFlag xmlns:ma14="http://schemas.microsoft.com/office/mac/drawingml/2011/main" xmlns:a14="http://schemas.microsoft.com/office/drawing/2010/main" xmlns:m="http://schemas.openxmlformats.org/officeDocument/2006/math" xmlns="" val="1"/>
+              <ma14:wrappingTextBoxFlag xmlns="" xmlns:m="http://schemas.openxmlformats.org/officeDocument/2006/math" xmlns:a14="http://schemas.microsoft.com/office/drawing/2010/main" xmlns:ma14="http://schemas.microsoft.com/office/mac/drawingml/2011/main" val="1"/>
             </a:ext>
           </a:extLst>
         </p:spPr>
@@ -18957,7 +18983,7 @@
           </a:prstGeom>
           <a:extLst>
             <a:ext uri="{C572A759-6A51-4108-AA02-DFA0A04FC94B}">
-              <ma14:wrappingTextBoxFlag xmlns:ma14="http://schemas.microsoft.com/office/mac/drawingml/2011/main" xmlns:a14="http://schemas.microsoft.com/office/drawing/2010/main" xmlns:m="http://schemas.openxmlformats.org/officeDocument/2006/math" xmlns="" val="1"/>
+              <ma14:wrappingTextBoxFlag xmlns="" xmlns:m="http://schemas.openxmlformats.org/officeDocument/2006/math" xmlns:a14="http://schemas.microsoft.com/office/drawing/2010/main" xmlns:ma14="http://schemas.microsoft.com/office/mac/drawingml/2011/main" val="1"/>
             </a:ext>
           </a:extLst>
         </p:spPr>
@@ -18997,7 +19023,7 @@
           </a:ln>
           <a:extLst>
             <a:ext uri="{C572A759-6A51-4108-AA02-DFA0A04FC94B}">
-              <ma14:wrappingTextBoxFlag xmlns:ma14="http://schemas.microsoft.com/office/mac/drawingml/2011/main" xmlns:a14="http://schemas.microsoft.com/office/drawing/2010/main" xmlns:m="http://schemas.openxmlformats.org/officeDocument/2006/math" xmlns="" val="1"/>
+              <ma14:wrappingTextBoxFlag xmlns="" xmlns:m="http://schemas.openxmlformats.org/officeDocument/2006/math" xmlns:a14="http://schemas.microsoft.com/office/drawing/2010/main" xmlns:ma14="http://schemas.microsoft.com/office/mac/drawingml/2011/main" val="1"/>
             </a:ext>
           </a:extLst>
         </p:spPr>
@@ -19800,7 +19826,7 @@
           </a:prstGeom>
           <a:extLst>
             <a:ext uri="{C572A759-6A51-4108-AA02-DFA0A04FC94B}">
-              <ma14:wrappingTextBoxFlag xmlns:ma14="http://schemas.microsoft.com/office/mac/drawingml/2011/main" xmlns:a14="http://schemas.microsoft.com/office/drawing/2010/main" xmlns:m="http://schemas.openxmlformats.org/officeDocument/2006/math" xmlns="" val="1"/>
+              <ma14:wrappingTextBoxFlag xmlns="" xmlns:m="http://schemas.openxmlformats.org/officeDocument/2006/math" xmlns:a14="http://schemas.microsoft.com/office/drawing/2010/main" xmlns:ma14="http://schemas.microsoft.com/office/mac/drawingml/2011/main" val="1"/>
             </a:ext>
           </a:extLst>
         </p:spPr>
@@ -19840,7 +19866,7 @@
           </a:ln>
           <a:extLst>
             <a:ext uri="{C572A759-6A51-4108-AA02-DFA0A04FC94B}">
-              <ma14:wrappingTextBoxFlag xmlns:ma14="http://schemas.microsoft.com/office/mac/drawingml/2011/main" xmlns:a14="http://schemas.microsoft.com/office/drawing/2010/main" xmlns:m="http://schemas.openxmlformats.org/officeDocument/2006/math" xmlns="" val="1"/>
+              <ma14:wrappingTextBoxFlag xmlns="" xmlns:m="http://schemas.openxmlformats.org/officeDocument/2006/math" xmlns:a14="http://schemas.microsoft.com/office/drawing/2010/main" xmlns:ma14="http://schemas.microsoft.com/office/mac/drawingml/2011/main" val="1"/>
             </a:ext>
           </a:extLst>
         </p:spPr>
@@ -20601,7 +20627,7 @@
           </a:ln>
           <a:extLst>
             <a:ext uri="{C572A759-6A51-4108-AA02-DFA0A04FC94B}">
-              <ma14:wrappingTextBoxFlag xmlns:ma14="http://schemas.microsoft.com/office/mac/drawingml/2011/main" xmlns:a14="http://schemas.microsoft.com/office/drawing/2010/main" xmlns:m="http://schemas.openxmlformats.org/officeDocument/2006/math" xmlns="" val="1"/>
+              <ma14:wrappingTextBoxFlag xmlns="" xmlns:m="http://schemas.openxmlformats.org/officeDocument/2006/math" xmlns:a14="http://schemas.microsoft.com/office/drawing/2010/main" xmlns:ma14="http://schemas.microsoft.com/office/mac/drawingml/2011/main" val="1"/>
             </a:ext>
           </a:extLst>
         </p:spPr>
